--- a/assets/help_ukraine.pptx
+++ b/assets/help_ukraine.pptx
@@ -104,6 +104,11 @@
       </a:defRPr>
     </a:lvl9pPr>
   </p:defaultTextStyle>
+  <p:extLst>
+    <p:ext uri="{EFAFB233-063F-42B5-8137-9DF3F51BA10A}">
+      <p15:sldGuideLst xmlns:p15="http://schemas.microsoft.com/office/powerpoint/2012/main"/>
+    </p:ext>
+  </p:extLst>
 </p:presentation>
 </file>
 
@@ -3474,7 +3479,7 @@
         </p:nvSpPr>
         <p:spPr>
           <a:xfrm>
-            <a:off x="4480767" y="1211943"/>
+            <a:off x="4480766" y="1211943"/>
             <a:ext cx="1850571" cy="522514"/>
           </a:xfrm>
           <a:prstGeom prst="rect">
@@ -3506,7 +3511,7 @@
           <a:p>
             <a:pPr algn="ctr"/>
             <a:r>
-              <a:rPr lang="en-GB" dirty="0"/>
+              <a:rPr lang="en-GB" sz="3200" b="1" dirty="0"/>
               <a:t>HELP</a:t>
             </a:r>
           </a:p>
@@ -3558,7 +3563,7 @@
           <a:p>
             <a:pPr algn="ctr"/>
             <a:r>
-              <a:rPr lang="en-GB" dirty="0">
+              <a:rPr lang="en-GB" sz="3200" b="1" dirty="0">
                 <a:solidFill>
                   <a:schemeClr val="accent1">
                     <a:lumMod val="75000"/>
